--- a/extra/intro2.pptx
+++ b/extra/intro2.pptx
@@ -3744,7 +3744,7 @@
             </a:r>
             <a:r>
               <a:rPr lang="fr-FR" sz="2400" noProof="1"/>
-              <a:t> =&gt; click on R-4.1.1.pkg and follow instructions</a:t>
+              <a:t> =&gt; click on R-4.1.2.pkg and follow instructions</a:t>
             </a:r>
           </a:p>
           <a:p>
@@ -4197,7 +4197,7 @@
           <a:p>
             <a:r>
               <a:rPr lang="fr-FR" sz="2400" noProof="1"/>
-              <a:t>Finally, download and unzip the "course_materials.zip" file from the class website. We will use this directory throughout the semester, so put it somewhere you will remember it.</a:t>
+              <a:t>Finally, download and unzip the "materials.zip" file from the class website. We will use this directory throughout the semester, so put it somewhere you will remember it.</a:t>
             </a:r>
           </a:p>
           <a:p>
